--- a/documentation/13 SOA Services - Tasks.pptx
+++ b/documentation/13 SOA Services - Tasks.pptx
@@ -224,7 +224,7 @@
           <a:p>
             <a:fld id="{CE53DE84-D7B3-4797-B14D-77424657396D}" type="datetimeFigureOut">
               <a:rPr lang="en-GB" smtClean="0"/>
-              <a:t>10/03/2018</a:t>
+              <a:t>25/03/2019</a:t>
             </a:fld>
             <a:endParaRPr lang="en-GB" dirty="0"/>
           </a:p>
@@ -389,7 +389,7 @@
           <a:p>
             <a:fld id="{D1C597EC-6BB0-461C-B045-D257C6C8821E}" type="datetimeFigureOut">
               <a:rPr lang="en-GB" smtClean="0"/>
-              <a:t>10/03/2018</a:t>
+              <a:t>25/03/2019</a:t>
             </a:fld>
             <a:endParaRPr lang="en-GB" dirty="0"/>
           </a:p>
@@ -1747,7 +1747,7 @@
           <a:p>
             <a:fld id="{22E7AA2F-F619-4723-B6E7-545F24B9918D}" type="datetime4">
               <a:rPr lang="en-GB" smtClean="0"/>
-              <a:t>10 March 2018</a:t>
+              <a:t>25 March 2019</a:t>
             </a:fld>
             <a:endParaRPr lang="en-GB" dirty="0"/>
           </a:p>
@@ -1951,7 +1951,7 @@
           <a:p>
             <a:fld id="{2A4201E0-34F3-46A7-AE44-D99163B13904}" type="datetime4">
               <a:rPr lang="en-GB" smtClean="0"/>
-              <a:t>10 March 2018</a:t>
+              <a:t>25 March 2019</a:t>
             </a:fld>
             <a:endParaRPr lang="en-GB" dirty="0"/>
           </a:p>
@@ -2199,7 +2199,7 @@
           <a:p>
             <a:fld id="{4FAE0867-24A8-448F-B507-CC8586AA6B96}" type="datetime4">
               <a:rPr lang="en-GB" smtClean="0"/>
-              <a:t>10 March 2018</a:t>
+              <a:t>25 March 2019</a:t>
             </a:fld>
             <a:endParaRPr lang="en-GB" dirty="0"/>
           </a:p>
@@ -2383,7 +2383,7 @@
           <a:p>
             <a:fld id="{54BE1DED-F17D-40BA-964F-A1C8DEDCEF61}" type="datetime4">
               <a:rPr lang="en-GB" smtClean="0"/>
-              <a:t>10 March 2018</a:t>
+              <a:t>25 March 2019</a:t>
             </a:fld>
             <a:endParaRPr lang="en-GB" dirty="0"/>
           </a:p>
@@ -2759,7 +2759,7 @@
             <a:fld id="{D9FBC6CA-9941-44FF-B65D-C7A23CB5A4BE}" type="datetime4">
               <a:rPr lang="en-GB" smtClean="0"/>
               <a:pPr/>
-              <a:t>10 March 2018</a:t>
+              <a:t>25 March 2019</a:t>
             </a:fld>
             <a:endParaRPr lang="en-GB" dirty="0"/>
           </a:p>
@@ -2945,7 +2945,7 @@
           <a:p>
             <a:fld id="{D473304B-F8FC-4BC7-8FE8-C50BC87E1FAB}" type="datetime4">
               <a:rPr lang="en-GB" smtClean="0"/>
-              <a:t>10 March 2018</a:t>
+              <a:t>25 March 2019</a:t>
             </a:fld>
             <a:endParaRPr lang="en-GB" dirty="0"/>
           </a:p>
@@ -3040,7 +3040,7 @@
           <a:p>
             <a:fld id="{D3D7C3DF-C1B2-4C30-9BDA-F5EE790E7213}" type="datetime4">
               <a:rPr lang="en-GB" smtClean="0"/>
-              <a:t>10 March 2018</a:t>
+              <a:t>25 March 2019</a:t>
             </a:fld>
             <a:endParaRPr lang="en-GB" dirty="0"/>
           </a:p>
@@ -3265,7 +3265,7 @@
           <a:p>
             <a:fld id="{7A1E630C-C3F3-4A66-A20B-F3CE4CC3331D}" type="datetime4">
               <a:rPr lang="en-GB" smtClean="0"/>
-              <a:t>10 March 2018</a:t>
+              <a:t>25 March 2019</a:t>
             </a:fld>
             <a:endParaRPr lang="en-GB" dirty="0"/>
           </a:p>
@@ -3899,7 +3899,7 @@
           <a:p>
             <a:fld id="{D22C19FE-D082-4640-BFED-203C0E583774}" type="datetime4">
               <a:rPr lang="en-GB" smtClean="0"/>
-              <a:t>10 March 2018</a:t>
+              <a:t>25 March 2019</a:t>
             </a:fld>
             <a:endParaRPr lang="en-GB" dirty="0"/>
           </a:p>
@@ -4504,7 +4504,7 @@
             <a:pPr lvl="1"/>
             <a:r>
               <a:rPr lang="en-GB" dirty="0" smtClean="0"/>
-              <a:t>February 2018</a:t>
+              <a:t>2019</a:t>
             </a:r>
             <a:endParaRPr lang="en-GB" dirty="0"/>
           </a:p>
@@ -4604,7 +4604,7 @@
             <a:fld id="{BC3F1638-3586-4527-A760-38AC15BFC248}" type="datetime4">
               <a:rPr lang="en-GB" smtClean="0"/>
               <a:pPr/>
-              <a:t>10 March 2018</a:t>
+              <a:t>25 March 2019</a:t>
             </a:fld>
             <a:endParaRPr lang="en-GB" dirty="0"/>
           </a:p>
@@ -4929,12 +4929,6 @@
           <a:lstStyle/>
           <a:p>
             <a:r>
-              <a:rPr lang="en-GB" dirty="0" smtClean="0"/>
-              <a:t>Arnab Podder</a:t>
-            </a:r>
-          </a:p>
-          <a:p>
-            <a:r>
               <a:rPr lang="en-GB" b="0" dirty="0" smtClean="0"/>
               <a:t>Integration Team</a:t>
             </a:r>
@@ -4960,7 +4954,7 @@
             <a:fld id="{D98A2CEC-3088-437B-B321-33BEC7D93FCD}" type="datetime4">
               <a:rPr lang="en-GB" smtClean="0"/>
               <a:pPr/>
-              <a:t>10 March 2018</a:t>
+              <a:t>25 March 2019</a:t>
             </a:fld>
             <a:endParaRPr lang="en-GB" dirty="0"/>
           </a:p>
@@ -4982,9 +4976,10 @@
           <a:lstStyle/>
           <a:p>
             <a:r>
-              <a:rPr lang="en-GB" dirty="0" smtClean="0"/>
-              <a:t>Arnab.podder@finastra.com</a:t>
-            </a:r>
+              <a:rPr lang="en-GB" smtClean="0"/>
+              <a:t>Alexander.perman@finastra.com</a:t>
+            </a:r>
+            <a:endParaRPr lang="en-GB" dirty="0" smtClean="0"/>
           </a:p>
           <a:p>
             <a:endParaRPr lang="en-GB" dirty="0"/>
@@ -5127,7 +5122,7 @@
           <a:p>
             <a:fld id="{6096F0BA-ECEE-44D1-ABE9-40C67B221300}" type="datetime4">
               <a:rPr lang="en-GB" smtClean="0"/>
-              <a:t>10 March 2018</a:t>
+              <a:t>25 March 2019</a:t>
             </a:fld>
             <a:endParaRPr lang="en-GB" dirty="0"/>
           </a:p>
@@ -5287,7 +5282,7 @@
             <a:fld id="{014A5046-EA5E-455B-A3BC-352818629394}" type="datetime4">
               <a:rPr lang="en-GB" smtClean="0"/>
               <a:pPr/>
-              <a:t>10 March 2018</a:t>
+              <a:t>25 March 2019</a:t>
             </a:fld>
             <a:endParaRPr lang="en-GB" dirty="0"/>
           </a:p>
@@ -5411,7 +5406,7 @@
             <a:fld id="{BC3F1638-3586-4527-A760-38AC15BFC248}" type="datetime4">
               <a:rPr lang="en-GB" smtClean="0"/>
               <a:pPr/>
-              <a:t>10 March 2018</a:t>
+              <a:t>25 March 2019</a:t>
             </a:fld>
             <a:endParaRPr lang="en-GB" dirty="0"/>
           </a:p>
@@ -5757,7 +5752,7 @@
             <a:fld id="{BC3F1638-3586-4527-A760-38AC15BFC248}" type="datetime4">
               <a:rPr lang="en-GB" smtClean="0"/>
               <a:pPr/>
-              <a:t>10 March 2018</a:t>
+              <a:t>25 March 2019</a:t>
             </a:fld>
             <a:endParaRPr lang="en-GB" dirty="0"/>
           </a:p>
@@ -5935,7 +5930,7 @@
             <a:fld id="{BC3F1638-3586-4527-A760-38AC15BFC248}" type="datetime4">
               <a:rPr lang="en-GB" smtClean="0"/>
               <a:pPr/>
-              <a:t>10 March 2018</a:t>
+              <a:t>25 March 2019</a:t>
             </a:fld>
             <a:endParaRPr lang="en-GB" dirty="0"/>
           </a:p>
@@ -6113,7 +6108,7 @@
             <a:fld id="{BC3F1638-3586-4527-A760-38AC15BFC248}" type="datetime4">
               <a:rPr lang="en-GB" smtClean="0"/>
               <a:pPr/>
-              <a:t>10 March 2018</a:t>
+              <a:t>25 March 2019</a:t>
             </a:fld>
             <a:endParaRPr lang="en-GB" dirty="0"/>
           </a:p>
@@ -6345,7 +6340,7 @@
           <a:graphicData uri="http://schemas.openxmlformats.org/presentationml/2006/ole">
             <mc:AlternateContent xmlns:mc="http://schemas.openxmlformats.org/markup-compatibility/2006">
               <mc:Choice xmlns:v="urn:schemas-microsoft-com:vml" Requires="v">
-                <p:oleObj spid="_x0000_s4113" name="Packager Shell Object" showAsIcon="1" r:id="rId5" imgW="2934360" imgH="685800" progId="Package">
+                <p:oleObj spid="_x0000_s4119" name="Packager Shell Object" showAsIcon="1" r:id="rId5" imgW="2934360" imgH="685800" progId="Package">
                   <p:embed/>
                 </p:oleObj>
               </mc:Choice>
@@ -6456,7 +6451,7 @@
           <a:graphicData uri="http://schemas.openxmlformats.org/presentationml/2006/ole">
             <mc:AlternateContent xmlns:mc="http://schemas.openxmlformats.org/markup-compatibility/2006">
               <mc:Choice xmlns:v="urn:schemas-microsoft-com:vml" Requires="v">
-                <p:oleObj spid="_x0000_s4114" name="Packager Shell Object" showAsIcon="1" r:id="rId8" imgW="3124800" imgH="685800" progId="Package">
+                <p:oleObj spid="_x0000_s4120" name="Packager Shell Object" showAsIcon="1" r:id="rId8" imgW="3124800" imgH="685800" progId="Package">
                   <p:embed/>
                 </p:oleObj>
               </mc:Choice>
@@ -6617,7 +6612,7 @@
             <a:fld id="{BC3F1638-3586-4527-A760-38AC15BFC248}" type="datetime4">
               <a:rPr lang="en-GB" smtClean="0"/>
               <a:pPr/>
-              <a:t>10 March 2018</a:t>
+              <a:t>25 March 2019</a:t>
             </a:fld>
             <a:endParaRPr lang="en-GB" dirty="0"/>
           </a:p>
@@ -6943,7 +6938,7 @@
           <a:graphicData uri="http://schemas.openxmlformats.org/presentationml/2006/ole">
             <mc:AlternateContent xmlns:mc="http://schemas.openxmlformats.org/markup-compatibility/2006">
               <mc:Choice xmlns:v="urn:schemas-microsoft-com:vml" Requires="v">
-                <p:oleObj spid="_x0000_s6157" name="Packager Shell Object" showAsIcon="1" r:id="rId6" imgW="3404520" imgH="685800" progId="Package">
+                <p:oleObj spid="_x0000_s6163" name="Packager Shell Object" showAsIcon="1" r:id="rId6" imgW="3404520" imgH="685800" progId="Package">
                   <p:embed/>
                 </p:oleObj>
               </mc:Choice>
@@ -7000,7 +6995,7 @@
           <a:graphicData uri="http://schemas.openxmlformats.org/presentationml/2006/ole">
             <mc:AlternateContent xmlns:mc="http://schemas.openxmlformats.org/markup-compatibility/2006">
               <mc:Choice xmlns:v="urn:schemas-microsoft-com:vml" Requires="v">
-                <p:oleObj spid="_x0000_s6158" name="Packager Shell Object" showAsIcon="1" r:id="rId8" imgW="4090320" imgH="685800" progId="Package">
+                <p:oleObj spid="_x0000_s6164" name="Packager Shell Object" showAsIcon="1" r:id="rId8" imgW="4090320" imgH="685800" progId="Package">
                   <p:embed/>
                 </p:oleObj>
               </mc:Choice>
@@ -7129,7 +7124,7 @@
             <a:fld id="{BC3F1638-3586-4527-A760-38AC15BFC248}" type="datetime4">
               <a:rPr lang="en-GB" smtClean="0"/>
               <a:pPr/>
-              <a:t>10 March 2018</a:t>
+              <a:t>25 March 2019</a:t>
             </a:fld>
             <a:endParaRPr lang="en-GB" dirty="0"/>
           </a:p>
@@ -7449,7 +7444,7 @@
           <a:graphicData uri="http://schemas.openxmlformats.org/presentationml/2006/ole">
             <mc:AlternateContent xmlns:mc="http://schemas.openxmlformats.org/markup-compatibility/2006">
               <mc:Choice xmlns:v="urn:schemas-microsoft-com:vml" Requires="v">
-                <p:oleObj spid="_x0000_s5128" name="Packager Shell Object" showAsIcon="1" r:id="rId6" imgW="2642040" imgH="685800" progId="Package">
+                <p:oleObj spid="_x0000_s5131" name="Packager Shell Object" showAsIcon="1" r:id="rId6" imgW="2642040" imgH="685800" progId="Package">
                   <p:embed/>
                 </p:oleObj>
               </mc:Choice>
